--- a/doc/Technology_Review_Medical_Provider_Fraud.pptx
+++ b/doc/Technology_Review_Medical_Provider_Fraud.pptx
@@ -944,7 +944,7 @@
       </p:grpSpPr>
       <p:sp>
         <p:nvSpPr>
-          <p:cNvPr id="148" name="Google Shape;148;g20f6eff09af_0_110:notes"/>
+          <p:cNvPr id="148" name="Google Shape;148;g20fbcbaab88_0_0:notes"/>
           <p:cNvSpPr/>
           <p:nvPr>
             <p:ph idx="2" type="sldImg"/>
@@ -979,7 +979,7 @@
       </p:sp>
       <p:sp>
         <p:nvSpPr>
-          <p:cNvPr id="149" name="Google Shape;149;g20f6eff09af_0_110:notes"/>
+          <p:cNvPr id="149" name="Google Shape;149;g20fbcbaab88_0_0:notes"/>
           <p:cNvSpPr txBox="1"/>
           <p:nvPr>
             <p:ph idx="1" type="body"/>
@@ -1029,7 +1029,7 @@
   <p:cSld>
     <p:spTree>
       <p:nvGrpSpPr>
-        <p:cNvPr id="153" name="Shape 153"/>
+        <p:cNvPr id="154" name="Shape 154"/>
         <p:cNvGrpSpPr/>
         <p:nvPr/>
       </p:nvGrpSpPr>
@@ -1043,7 +1043,7 @@
       </p:grpSpPr>
       <p:sp>
         <p:nvSpPr>
-          <p:cNvPr id="154" name="Google Shape;154;g20f6eff09af_0_87:notes"/>
+          <p:cNvPr id="155" name="Google Shape;155;g20f6eff09af_0_110:notes"/>
           <p:cNvSpPr/>
           <p:nvPr>
             <p:ph idx="2" type="sldImg"/>
@@ -1078,7 +1078,7 @@
       </p:sp>
       <p:sp>
         <p:nvSpPr>
-          <p:cNvPr id="155" name="Google Shape;155;g20f6eff09af_0_87:notes"/>
+          <p:cNvPr id="156" name="Google Shape;156;g20f6eff09af_0_110:notes"/>
           <p:cNvSpPr txBox="1"/>
           <p:nvPr>
             <p:ph idx="1" type="body"/>
@@ -1128,7 +1128,7 @@
   <p:cSld>
     <p:spTree>
       <p:nvGrpSpPr>
-        <p:cNvPr id="159" name="Shape 159"/>
+        <p:cNvPr id="160" name="Shape 160"/>
         <p:cNvGrpSpPr/>
         <p:nvPr/>
       </p:nvGrpSpPr>
@@ -1142,7 +1142,7 @@
       </p:grpSpPr>
       <p:sp>
         <p:nvSpPr>
-          <p:cNvPr id="160" name="Google Shape;160;g20f6eff09af_0_93:notes"/>
+          <p:cNvPr id="161" name="Google Shape;161;g20f6eff09af_0_117:notes"/>
           <p:cNvSpPr/>
           <p:nvPr>
             <p:ph idx="2" type="sldImg"/>
@@ -1177,7 +1177,7 @@
       </p:sp>
       <p:sp>
         <p:nvSpPr>
-          <p:cNvPr id="161" name="Google Shape;161;g20f6eff09af_0_93:notes"/>
+          <p:cNvPr id="162" name="Google Shape;162;g20f6eff09af_0_117:notes"/>
           <p:cNvSpPr txBox="1"/>
           <p:nvPr>
             <p:ph idx="1" type="body"/>
@@ -1227,7 +1227,7 @@
   <p:cSld>
     <p:spTree>
       <p:nvGrpSpPr>
-        <p:cNvPr id="165" name="Shape 165"/>
+        <p:cNvPr id="167" name="Shape 167"/>
         <p:cNvGrpSpPr/>
         <p:nvPr/>
       </p:nvGrpSpPr>
@@ -1241,7 +1241,7 @@
       </p:grpSpPr>
       <p:sp>
         <p:nvSpPr>
-          <p:cNvPr id="166" name="Google Shape;166;g20fbcbaab88_0_0:notes"/>
+          <p:cNvPr id="168" name="Google Shape;168;g20f6eff09af_0_87:notes"/>
           <p:cNvSpPr/>
           <p:nvPr>
             <p:ph idx="2" type="sldImg"/>
@@ -1276,7 +1276,7 @@
       </p:sp>
       <p:sp>
         <p:nvSpPr>
-          <p:cNvPr id="167" name="Google Shape;167;g20fbcbaab88_0_0:notes"/>
+          <p:cNvPr id="169" name="Google Shape;169;g20f6eff09af_0_87:notes"/>
           <p:cNvSpPr txBox="1"/>
           <p:nvPr>
             <p:ph idx="1" type="body"/>
@@ -1326,7 +1326,7 @@
   <p:cSld>
     <p:spTree>
       <p:nvGrpSpPr>
-        <p:cNvPr id="172" name="Shape 172"/>
+        <p:cNvPr id="173" name="Shape 173"/>
         <p:cNvGrpSpPr/>
         <p:nvPr/>
       </p:nvGrpSpPr>
@@ -1340,7 +1340,7 @@
       </p:grpSpPr>
       <p:sp>
         <p:nvSpPr>
-          <p:cNvPr id="173" name="Google Shape;173;g20f6eff09af_0_117:notes"/>
+          <p:cNvPr id="174" name="Google Shape;174;g20f6eff09af_0_93:notes"/>
           <p:cNvSpPr/>
           <p:nvPr>
             <p:ph idx="2" type="sldImg"/>
@@ -1375,7 +1375,7 @@
       </p:sp>
       <p:sp>
         <p:nvSpPr>
-          <p:cNvPr id="174" name="Google Shape;174;g20f6eff09af_0_117:notes"/>
+          <p:cNvPr id="175" name="Google Shape;175;g20f6eff09af_0_93:notes"/>
           <p:cNvSpPr txBox="1"/>
           <p:nvPr>
             <p:ph idx="1" type="body"/>
@@ -1637,7 +1637,7 @@
       </p:grpSpPr>
       <p:sp>
         <p:nvSpPr>
-          <p:cNvPr id="192" name="Google Shape;192;g20f6eff09af_2_12:notes"/>
+          <p:cNvPr id="192" name="Google Shape;192;g20fbcbaab88_0_258:notes"/>
           <p:cNvSpPr/>
           <p:nvPr>
             <p:ph idx="2" type="sldImg"/>
@@ -1672,7 +1672,7 @@
       </p:sp>
       <p:sp>
         <p:nvSpPr>
-          <p:cNvPr id="193" name="Google Shape;193;g20f6eff09af_2_12:notes"/>
+          <p:cNvPr id="193" name="Google Shape;193;g20fbcbaab88_0_258:notes"/>
           <p:cNvSpPr txBox="1"/>
           <p:nvPr>
             <p:ph idx="1" type="body"/>
@@ -1722,7 +1722,7 @@
   <p:cSld>
     <p:spTree>
       <p:nvGrpSpPr>
-        <p:cNvPr id="197" name="Shape 197"/>
+        <p:cNvPr id="196" name="Shape 196"/>
         <p:cNvGrpSpPr/>
         <p:nvPr/>
       </p:nvGrpSpPr>
@@ -1736,7 +1736,7 @@
       </p:grpSpPr>
       <p:sp>
         <p:nvSpPr>
-          <p:cNvPr id="198" name="Google Shape;198;g20fbcbaab88_0_258:notes"/>
+          <p:cNvPr id="197" name="Google Shape;197;g20f6eff09af_2_12:notes"/>
           <p:cNvSpPr/>
           <p:nvPr>
             <p:ph idx="2" type="sldImg"/>
@@ -1771,7 +1771,7 @@
       </p:sp>
       <p:sp>
         <p:nvSpPr>
-          <p:cNvPr id="199" name="Google Shape;199;g20fbcbaab88_0_258:notes"/>
+          <p:cNvPr id="198" name="Google Shape;198;g20f6eff09af_2_12:notes"/>
           <p:cNvSpPr txBox="1"/>
           <p:nvPr>
             <p:ph idx="1" type="body"/>
@@ -9382,6 +9382,127 @@
         </p:nvSpPr>
         <p:spPr>
           <a:xfrm>
+            <a:off x="557375" y="618100"/>
+            <a:ext cx="7688700" cy="535200"/>
+          </a:xfrm>
+          <a:prstGeom prst="rect">
+            <a:avLst/>
+          </a:prstGeom>
+        </p:spPr>
+        <p:txBody>
+          <a:bodyPr anchorCtr="0" anchor="t" bIns="91425" lIns="91425" spcFirstLastPara="1" rIns="91425" wrap="square" tIns="91425">
+            <a:normAutofit fontScale="90000"/>
+          </a:bodyPr>
+          <a:lstStyle/>
+          <a:p>
+            <a:pPr indent="0" lvl="0" marL="0" rtl="0" algn="l">
+              <a:spcBef>
+                <a:spcPts val="0"/>
+              </a:spcBef>
+              <a:spcAft>
+                <a:spcPts val="0"/>
+              </a:spcAft>
+              <a:buNone/>
+            </a:pPr>
+            <a:r>
+              <a:rPr lang="en"/>
+              <a:t>Bokeh Demo</a:t>
+            </a:r>
+            <a:endParaRPr/>
+          </a:p>
+        </p:txBody>
+      </p:sp>
+      <p:pic>
+        <p:nvPicPr>
+          <p:cNvPr id="152" name="Google Shape;152;p23"/>
+          <p:cNvPicPr preferRelativeResize="0"/>
+          <p:nvPr/>
+        </p:nvPicPr>
+        <p:blipFill>
+          <a:blip r:embed="rId3">
+            <a:alphaModFix/>
+          </a:blip>
+          <a:stretch>
+            <a:fillRect/>
+          </a:stretch>
+        </p:blipFill>
+        <p:spPr>
+          <a:xfrm>
+            <a:off x="76200" y="1741800"/>
+            <a:ext cx="6113026" cy="3100576"/>
+          </a:xfrm>
+          <a:prstGeom prst="rect">
+            <a:avLst/>
+          </a:prstGeom>
+          <a:noFill/>
+          <a:ln>
+            <a:noFill/>
+          </a:ln>
+        </p:spPr>
+      </p:pic>
+      <p:pic>
+        <p:nvPicPr>
+          <p:cNvPr id="153" name="Google Shape;153;p23"/>
+          <p:cNvPicPr preferRelativeResize="0"/>
+          <p:nvPr/>
+        </p:nvPicPr>
+        <p:blipFill>
+          <a:blip r:embed="rId4">
+            <a:alphaModFix/>
+          </a:blip>
+          <a:stretch>
+            <a:fillRect/>
+          </a:stretch>
+        </p:blipFill>
+        <p:spPr>
+          <a:xfrm>
+            <a:off x="4183475" y="679375"/>
+            <a:ext cx="4808125" cy="2618575"/>
+          </a:xfrm>
+          <a:prstGeom prst="rect">
+            <a:avLst/>
+          </a:prstGeom>
+          <a:noFill/>
+          <a:ln>
+            <a:noFill/>
+          </a:ln>
+        </p:spPr>
+      </p:pic>
+    </p:spTree>
+  </p:cSld>
+  <p:clrMapOvr>
+    <a:masterClrMapping/>
+  </p:clrMapOvr>
+</p:sld>
+</file>
+
+<file path=ppt/slides/slide12.xml><?xml version="1.0" encoding="utf-8"?>
+<p:sld xmlns:a="http://schemas.openxmlformats.org/drawingml/2006/main" xmlns:r="http://schemas.openxmlformats.org/officeDocument/2006/relationships" xmlns:mc="http://schemas.openxmlformats.org/markup-compatibility/2006" xmlns:mv="urn:schemas-microsoft-com:mac:vml" xmlns:p="http://schemas.openxmlformats.org/presentationml/2006/main" xmlns:c="http://schemas.openxmlformats.org/drawingml/2006/chart" xmlns:dgm="http://schemas.openxmlformats.org/drawingml/2006/diagram" xmlns:o="urn:schemas-microsoft-com:office:office" xmlns:v="urn:schemas-microsoft-com:vml" xmlns:pvml="urn:schemas-microsoft-com:office:powerpoint" xmlns:com="http://schemas.openxmlformats.org/drawingml/2006/compatibility" xmlns:p14="http://schemas.microsoft.com/office/powerpoint/2010/main" xmlns:p15="http://schemas.microsoft.com/office/powerpoint/2012/main" xmlns:ahyp="http://schemas.microsoft.com/office/drawing/2018/hyperlinkcolor">
+  <p:cSld>
+    <p:spTree>
+      <p:nvGrpSpPr>
+        <p:cNvPr id="157" name="Shape 157"/>
+        <p:cNvGrpSpPr/>
+        <p:nvPr/>
+      </p:nvGrpSpPr>
+      <p:grpSpPr>
+        <a:xfrm>
+          <a:off x="0" y="0"/>
+          <a:ext cx="0" cy="0"/>
+          <a:chOff x="0" y="0"/>
+          <a:chExt cx="0" cy="0"/>
+        </a:xfrm>
+      </p:grpSpPr>
+      <p:sp>
+        <p:nvSpPr>
+          <p:cNvPr id="158" name="Google Shape;158;p24"/>
+          <p:cNvSpPr txBox="1"/>
+          <p:nvPr>
+            <p:ph type="title"/>
+          </p:nvPr>
+        </p:nvSpPr>
+        <p:spPr>
+          <a:xfrm>
             <a:off x="500850" y="663650"/>
             <a:ext cx="7688700" cy="535200"/>
           </a:xfrm>
@@ -9414,7 +9535,7 @@
       </p:sp>
       <p:sp>
         <p:nvSpPr>
-          <p:cNvPr id="152" name="Google Shape;152;p23"/>
+          <p:cNvPr id="159" name="Google Shape;159;p24"/>
           <p:cNvSpPr txBox="1"/>
           <p:nvPr>
             <p:ph idx="1" type="body"/>
@@ -9665,12 +9786,12 @@
 </p:sld>
 </file>
 
-<file path=ppt/slides/slide12.xml><?xml version="1.0" encoding="utf-8"?>
+<file path=ppt/slides/slide13.xml><?xml version="1.0" encoding="utf-8"?>
 <p:sld xmlns:a="http://schemas.openxmlformats.org/drawingml/2006/main" xmlns:r="http://schemas.openxmlformats.org/officeDocument/2006/relationships" xmlns:mc="http://schemas.openxmlformats.org/markup-compatibility/2006" xmlns:mv="urn:schemas-microsoft-com:mac:vml" xmlns:p="http://schemas.openxmlformats.org/presentationml/2006/main" xmlns:c="http://schemas.openxmlformats.org/drawingml/2006/chart" xmlns:dgm="http://schemas.openxmlformats.org/drawingml/2006/diagram" xmlns:o="urn:schemas-microsoft-com:office:office" xmlns:v="urn:schemas-microsoft-com:vml" xmlns:pvml="urn:schemas-microsoft-com:office:powerpoint" xmlns:com="http://schemas.openxmlformats.org/drawingml/2006/compatibility" xmlns:p14="http://schemas.microsoft.com/office/powerpoint/2010/main" xmlns:p15="http://schemas.microsoft.com/office/powerpoint/2012/main" xmlns:ahyp="http://schemas.microsoft.com/office/drawing/2018/hyperlinkcolor">
   <p:cSld>
     <p:spTree>
       <p:nvGrpSpPr>
-        <p:cNvPr id="156" name="Shape 156"/>
+        <p:cNvPr id="163" name="Shape 163"/>
         <p:cNvGrpSpPr/>
         <p:nvPr/>
       </p:nvGrpSpPr>
@@ -9684,7 +9805,128 @@
       </p:grpSpPr>
       <p:sp>
         <p:nvSpPr>
-          <p:cNvPr id="157" name="Google Shape;157;p24"/>
+          <p:cNvPr id="164" name="Google Shape;164;p25"/>
+          <p:cNvSpPr txBox="1"/>
+          <p:nvPr>
+            <p:ph type="title"/>
+          </p:nvPr>
+        </p:nvSpPr>
+        <p:spPr>
+          <a:xfrm>
+            <a:off x="557375" y="618100"/>
+            <a:ext cx="7688700" cy="535200"/>
+          </a:xfrm>
+          <a:prstGeom prst="rect">
+            <a:avLst/>
+          </a:prstGeom>
+        </p:spPr>
+        <p:txBody>
+          <a:bodyPr anchorCtr="0" anchor="t" bIns="91425" lIns="91425" spcFirstLastPara="1" rIns="91425" wrap="square" tIns="91425">
+            <a:normAutofit fontScale="90000"/>
+          </a:bodyPr>
+          <a:lstStyle/>
+          <a:p>
+            <a:pPr indent="0" lvl="0" marL="0" rtl="0" algn="l">
+              <a:spcBef>
+                <a:spcPts val="0"/>
+              </a:spcBef>
+              <a:spcAft>
+                <a:spcPts val="0"/>
+              </a:spcAft>
+              <a:buNone/>
+            </a:pPr>
+            <a:r>
+              <a:rPr lang="en"/>
+              <a:t>Dash Demo</a:t>
+            </a:r>
+            <a:endParaRPr/>
+          </a:p>
+        </p:txBody>
+      </p:sp>
+      <p:pic>
+        <p:nvPicPr>
+          <p:cNvPr id="165" name="Google Shape;165;p25"/>
+          <p:cNvPicPr preferRelativeResize="0"/>
+          <p:nvPr/>
+        </p:nvPicPr>
+        <p:blipFill>
+          <a:blip r:embed="rId3">
+            <a:alphaModFix/>
+          </a:blip>
+          <a:stretch>
+            <a:fillRect/>
+          </a:stretch>
+        </p:blipFill>
+        <p:spPr>
+          <a:xfrm>
+            <a:off x="152450" y="1334175"/>
+            <a:ext cx="5407574" cy="3721551"/>
+          </a:xfrm>
+          <a:prstGeom prst="rect">
+            <a:avLst/>
+          </a:prstGeom>
+          <a:noFill/>
+          <a:ln>
+            <a:noFill/>
+          </a:ln>
+        </p:spPr>
+      </p:pic>
+      <p:pic>
+        <p:nvPicPr>
+          <p:cNvPr id="166" name="Google Shape;166;p25"/>
+          <p:cNvPicPr preferRelativeResize="0"/>
+          <p:nvPr/>
+        </p:nvPicPr>
+        <p:blipFill>
+          <a:blip r:embed="rId4">
+            <a:alphaModFix/>
+          </a:blip>
+          <a:stretch>
+            <a:fillRect/>
+          </a:stretch>
+        </p:blipFill>
+        <p:spPr>
+          <a:xfrm>
+            <a:off x="4232575" y="1104150"/>
+            <a:ext cx="4784650" cy="2218049"/>
+          </a:xfrm>
+          <a:prstGeom prst="rect">
+            <a:avLst/>
+          </a:prstGeom>
+          <a:noFill/>
+          <a:ln>
+            <a:noFill/>
+          </a:ln>
+        </p:spPr>
+      </p:pic>
+    </p:spTree>
+  </p:cSld>
+  <p:clrMapOvr>
+    <a:masterClrMapping/>
+  </p:clrMapOvr>
+</p:sld>
+</file>
+
+<file path=ppt/slides/slide14.xml><?xml version="1.0" encoding="utf-8"?>
+<p:sld xmlns:a="http://schemas.openxmlformats.org/drawingml/2006/main" xmlns:r="http://schemas.openxmlformats.org/officeDocument/2006/relationships" xmlns:mc="http://schemas.openxmlformats.org/markup-compatibility/2006" xmlns:mv="urn:schemas-microsoft-com:mac:vml" xmlns:p="http://schemas.openxmlformats.org/presentationml/2006/main" xmlns:c="http://schemas.openxmlformats.org/drawingml/2006/chart" xmlns:dgm="http://schemas.openxmlformats.org/drawingml/2006/diagram" xmlns:o="urn:schemas-microsoft-com:office:office" xmlns:v="urn:schemas-microsoft-com:vml" xmlns:pvml="urn:schemas-microsoft-com:office:powerpoint" xmlns:com="http://schemas.openxmlformats.org/drawingml/2006/compatibility" xmlns:p14="http://schemas.microsoft.com/office/powerpoint/2010/main" xmlns:p15="http://schemas.microsoft.com/office/powerpoint/2012/main" xmlns:ahyp="http://schemas.microsoft.com/office/drawing/2018/hyperlinkcolor">
+  <p:cSld>
+    <p:spTree>
+      <p:nvGrpSpPr>
+        <p:cNvPr id="170" name="Shape 170"/>
+        <p:cNvGrpSpPr/>
+        <p:nvPr/>
+      </p:nvGrpSpPr>
+      <p:grpSpPr>
+        <a:xfrm>
+          <a:off x="0" y="0"/>
+          <a:ext cx="0" cy="0"/>
+          <a:chOff x="0" y="0"/>
+          <a:chExt cx="0" cy="0"/>
+        </a:xfrm>
+      </p:grpSpPr>
+      <p:sp>
+        <p:nvSpPr>
+          <p:cNvPr id="171" name="Google Shape;171;p26"/>
           <p:cNvSpPr txBox="1"/>
           <p:nvPr>
             <p:ph type="title"/>
@@ -9728,7 +9970,7 @@
       </p:sp>
       <p:graphicFrame>
         <p:nvGraphicFramePr>
-          <p:cNvPr id="158" name="Google Shape;158;p24"/>
+          <p:cNvPr id="172" name="Google Shape;172;p26"/>
           <p:cNvGraphicFramePr/>
           <p:nvPr/>
         </p:nvGraphicFramePr>
@@ -9741,7 +9983,7 @@
             <a:tbl>
               <a:tblPr>
                 <a:noFill/>
-                <a:tableStyleId>{8840AA42-74E6-4E78-85EF-03D1340D6976}</a:tableStyleId>
+                <a:tableStyleId>{E2493BD5-63C3-4E41-9928-D67F77012530}</a:tableStyleId>
               </a:tblPr>
               <a:tblGrid>
                 <a:gridCol w="2562900"/>
@@ -12389,12 +12631,12 @@
 </p:sld>
 </file>
 
-<file path=ppt/slides/slide13.xml><?xml version="1.0" encoding="utf-8"?>
+<file path=ppt/slides/slide15.xml><?xml version="1.0" encoding="utf-8"?>
 <p:sld xmlns:a="http://schemas.openxmlformats.org/drawingml/2006/main" xmlns:r="http://schemas.openxmlformats.org/officeDocument/2006/relationships" xmlns:mc="http://schemas.openxmlformats.org/markup-compatibility/2006" xmlns:mv="urn:schemas-microsoft-com:mac:vml" xmlns:p="http://schemas.openxmlformats.org/presentationml/2006/main" xmlns:c="http://schemas.openxmlformats.org/drawingml/2006/chart" xmlns:dgm="http://schemas.openxmlformats.org/drawingml/2006/diagram" xmlns:o="urn:schemas-microsoft-com:office:office" xmlns:v="urn:schemas-microsoft-com:vml" xmlns:pvml="urn:schemas-microsoft-com:office:powerpoint" xmlns:com="http://schemas.openxmlformats.org/drawingml/2006/compatibility" xmlns:p14="http://schemas.microsoft.com/office/powerpoint/2010/main" xmlns:p15="http://schemas.microsoft.com/office/powerpoint/2012/main" xmlns:ahyp="http://schemas.microsoft.com/office/drawing/2018/hyperlinkcolor">
   <p:cSld>
     <p:spTree>
       <p:nvGrpSpPr>
-        <p:cNvPr id="162" name="Shape 162"/>
+        <p:cNvPr id="176" name="Shape 176"/>
         <p:cNvGrpSpPr/>
         <p:nvPr/>
       </p:nvGrpSpPr>
@@ -12408,7 +12650,7 @@
       </p:grpSpPr>
       <p:sp>
         <p:nvSpPr>
-          <p:cNvPr id="163" name="Google Shape;163;p25"/>
+          <p:cNvPr id="177" name="Google Shape;177;p27"/>
           <p:cNvSpPr txBox="1"/>
           <p:nvPr>
             <p:ph type="title"/>
@@ -12452,7 +12694,7 @@
       </p:sp>
       <p:sp>
         <p:nvSpPr>
-          <p:cNvPr id="164" name="Google Shape;164;p25"/>
+          <p:cNvPr id="178" name="Google Shape;178;p27"/>
           <p:cNvSpPr txBox="1"/>
           <p:nvPr/>
         </p:nvSpPr>
@@ -12612,248 +12854,6 @@
           </a:p>
         </p:txBody>
       </p:sp>
-    </p:spTree>
-  </p:cSld>
-  <p:clrMapOvr>
-    <a:masterClrMapping/>
-  </p:clrMapOvr>
-</p:sld>
-</file>
-
-<file path=ppt/slides/slide14.xml><?xml version="1.0" encoding="utf-8"?>
-<p:sld xmlns:a="http://schemas.openxmlformats.org/drawingml/2006/main" xmlns:r="http://schemas.openxmlformats.org/officeDocument/2006/relationships" xmlns:mc="http://schemas.openxmlformats.org/markup-compatibility/2006" xmlns:mv="urn:schemas-microsoft-com:mac:vml" xmlns:p="http://schemas.openxmlformats.org/presentationml/2006/main" xmlns:c="http://schemas.openxmlformats.org/drawingml/2006/chart" xmlns:dgm="http://schemas.openxmlformats.org/drawingml/2006/diagram" xmlns:o="urn:schemas-microsoft-com:office:office" xmlns:v="urn:schemas-microsoft-com:vml" xmlns:pvml="urn:schemas-microsoft-com:office:powerpoint" xmlns:com="http://schemas.openxmlformats.org/drawingml/2006/compatibility" xmlns:p14="http://schemas.microsoft.com/office/powerpoint/2010/main" xmlns:p15="http://schemas.microsoft.com/office/powerpoint/2012/main" xmlns:ahyp="http://schemas.microsoft.com/office/drawing/2018/hyperlinkcolor">
-  <p:cSld>
-    <p:spTree>
-      <p:nvGrpSpPr>
-        <p:cNvPr id="168" name="Shape 168"/>
-        <p:cNvGrpSpPr/>
-        <p:nvPr/>
-      </p:nvGrpSpPr>
-      <p:grpSpPr>
-        <a:xfrm>
-          <a:off x="0" y="0"/>
-          <a:ext cx="0" cy="0"/>
-          <a:chOff x="0" y="0"/>
-          <a:chExt cx="0" cy="0"/>
-        </a:xfrm>
-      </p:grpSpPr>
-      <p:sp>
-        <p:nvSpPr>
-          <p:cNvPr id="169" name="Google Shape;169;p26"/>
-          <p:cNvSpPr txBox="1"/>
-          <p:nvPr>
-            <p:ph type="title"/>
-          </p:nvPr>
-        </p:nvSpPr>
-        <p:spPr>
-          <a:xfrm>
-            <a:off x="557375" y="618100"/>
-            <a:ext cx="7688700" cy="535200"/>
-          </a:xfrm>
-          <a:prstGeom prst="rect">
-            <a:avLst/>
-          </a:prstGeom>
-        </p:spPr>
-        <p:txBody>
-          <a:bodyPr anchorCtr="0" anchor="t" bIns="91425" lIns="91425" spcFirstLastPara="1" rIns="91425" wrap="square" tIns="91425">
-            <a:normAutofit fontScale="90000"/>
-          </a:bodyPr>
-          <a:lstStyle/>
-          <a:p>
-            <a:pPr indent="0" lvl="0" marL="0" rtl="0" algn="l">
-              <a:spcBef>
-                <a:spcPts val="0"/>
-              </a:spcBef>
-              <a:spcAft>
-                <a:spcPts val="0"/>
-              </a:spcAft>
-              <a:buNone/>
-            </a:pPr>
-            <a:r>
-              <a:rPr lang="en"/>
-              <a:t>Bokeh Demo</a:t>
-            </a:r>
-            <a:endParaRPr/>
-          </a:p>
-        </p:txBody>
-      </p:sp>
-      <p:pic>
-        <p:nvPicPr>
-          <p:cNvPr id="170" name="Google Shape;170;p26"/>
-          <p:cNvPicPr preferRelativeResize="0"/>
-          <p:nvPr/>
-        </p:nvPicPr>
-        <p:blipFill>
-          <a:blip r:embed="rId3">
-            <a:alphaModFix/>
-          </a:blip>
-          <a:stretch>
-            <a:fillRect/>
-          </a:stretch>
-        </p:blipFill>
-        <p:spPr>
-          <a:xfrm>
-            <a:off x="76200" y="1741800"/>
-            <a:ext cx="6113026" cy="3100576"/>
-          </a:xfrm>
-          <a:prstGeom prst="rect">
-            <a:avLst/>
-          </a:prstGeom>
-          <a:noFill/>
-          <a:ln>
-            <a:noFill/>
-          </a:ln>
-        </p:spPr>
-      </p:pic>
-      <p:pic>
-        <p:nvPicPr>
-          <p:cNvPr id="171" name="Google Shape;171;p26"/>
-          <p:cNvPicPr preferRelativeResize="0"/>
-          <p:nvPr/>
-        </p:nvPicPr>
-        <p:blipFill>
-          <a:blip r:embed="rId4">
-            <a:alphaModFix/>
-          </a:blip>
-          <a:stretch>
-            <a:fillRect/>
-          </a:stretch>
-        </p:blipFill>
-        <p:spPr>
-          <a:xfrm>
-            <a:off x="4183475" y="679375"/>
-            <a:ext cx="4808125" cy="2618575"/>
-          </a:xfrm>
-          <a:prstGeom prst="rect">
-            <a:avLst/>
-          </a:prstGeom>
-          <a:noFill/>
-          <a:ln>
-            <a:noFill/>
-          </a:ln>
-        </p:spPr>
-      </p:pic>
-    </p:spTree>
-  </p:cSld>
-  <p:clrMapOvr>
-    <a:masterClrMapping/>
-  </p:clrMapOvr>
-</p:sld>
-</file>
-
-<file path=ppt/slides/slide15.xml><?xml version="1.0" encoding="utf-8"?>
-<p:sld xmlns:a="http://schemas.openxmlformats.org/drawingml/2006/main" xmlns:r="http://schemas.openxmlformats.org/officeDocument/2006/relationships" xmlns:mc="http://schemas.openxmlformats.org/markup-compatibility/2006" xmlns:mv="urn:schemas-microsoft-com:mac:vml" xmlns:p="http://schemas.openxmlformats.org/presentationml/2006/main" xmlns:c="http://schemas.openxmlformats.org/drawingml/2006/chart" xmlns:dgm="http://schemas.openxmlformats.org/drawingml/2006/diagram" xmlns:o="urn:schemas-microsoft-com:office:office" xmlns:v="urn:schemas-microsoft-com:vml" xmlns:pvml="urn:schemas-microsoft-com:office:powerpoint" xmlns:com="http://schemas.openxmlformats.org/drawingml/2006/compatibility" xmlns:p14="http://schemas.microsoft.com/office/powerpoint/2010/main" xmlns:p15="http://schemas.microsoft.com/office/powerpoint/2012/main" xmlns:ahyp="http://schemas.microsoft.com/office/drawing/2018/hyperlinkcolor">
-  <p:cSld>
-    <p:spTree>
-      <p:nvGrpSpPr>
-        <p:cNvPr id="175" name="Shape 175"/>
-        <p:cNvGrpSpPr/>
-        <p:nvPr/>
-      </p:nvGrpSpPr>
-      <p:grpSpPr>
-        <a:xfrm>
-          <a:off x="0" y="0"/>
-          <a:ext cx="0" cy="0"/>
-          <a:chOff x="0" y="0"/>
-          <a:chExt cx="0" cy="0"/>
-        </a:xfrm>
-      </p:grpSpPr>
-      <p:sp>
-        <p:nvSpPr>
-          <p:cNvPr id="176" name="Google Shape;176;p27"/>
-          <p:cNvSpPr txBox="1"/>
-          <p:nvPr>
-            <p:ph type="title"/>
-          </p:nvPr>
-        </p:nvSpPr>
-        <p:spPr>
-          <a:xfrm>
-            <a:off x="557375" y="618100"/>
-            <a:ext cx="7688700" cy="535200"/>
-          </a:xfrm>
-          <a:prstGeom prst="rect">
-            <a:avLst/>
-          </a:prstGeom>
-        </p:spPr>
-        <p:txBody>
-          <a:bodyPr anchorCtr="0" anchor="t" bIns="91425" lIns="91425" spcFirstLastPara="1" rIns="91425" wrap="square" tIns="91425">
-            <a:normAutofit fontScale="90000"/>
-          </a:bodyPr>
-          <a:lstStyle/>
-          <a:p>
-            <a:pPr indent="0" lvl="0" marL="0" rtl="0" algn="l">
-              <a:spcBef>
-                <a:spcPts val="0"/>
-              </a:spcBef>
-              <a:spcAft>
-                <a:spcPts val="0"/>
-              </a:spcAft>
-              <a:buNone/>
-            </a:pPr>
-            <a:r>
-              <a:rPr lang="en"/>
-              <a:t>Dash Demo</a:t>
-            </a:r>
-            <a:endParaRPr/>
-          </a:p>
-        </p:txBody>
-      </p:sp>
-      <p:pic>
-        <p:nvPicPr>
-          <p:cNvPr id="177" name="Google Shape;177;p27"/>
-          <p:cNvPicPr preferRelativeResize="0"/>
-          <p:nvPr/>
-        </p:nvPicPr>
-        <p:blipFill>
-          <a:blip r:embed="rId3">
-            <a:alphaModFix/>
-          </a:blip>
-          <a:stretch>
-            <a:fillRect/>
-          </a:stretch>
-        </p:blipFill>
-        <p:spPr>
-          <a:xfrm>
-            <a:off x="152450" y="1334175"/>
-            <a:ext cx="5407574" cy="3721551"/>
-          </a:xfrm>
-          <a:prstGeom prst="rect">
-            <a:avLst/>
-          </a:prstGeom>
-          <a:noFill/>
-          <a:ln>
-            <a:noFill/>
-          </a:ln>
-        </p:spPr>
-      </p:pic>
-      <p:pic>
-        <p:nvPicPr>
-          <p:cNvPr id="178" name="Google Shape;178;p27"/>
-          <p:cNvPicPr preferRelativeResize="0"/>
-          <p:nvPr/>
-        </p:nvPicPr>
-        <p:blipFill>
-          <a:blip r:embed="rId4">
-            <a:alphaModFix/>
-          </a:blip>
-          <a:stretch>
-            <a:fillRect/>
-          </a:stretch>
-        </p:blipFill>
-        <p:spPr>
-          <a:xfrm>
-            <a:off x="4232575" y="1104150"/>
-            <a:ext cx="4784650" cy="2218049"/>
-          </a:xfrm>
-          <a:prstGeom prst="rect">
-            <a:avLst/>
-          </a:prstGeom>
-          <a:noFill/>
-          <a:ln>
-            <a:noFill/>
-          </a:ln>
-        </p:spPr>
-      </p:pic>
     </p:spTree>
   </p:cSld>
   <p:clrMapOvr>
@@ -13325,6 +13325,71 @@
           <p:cNvPr id="195" name="Google Shape;195;p30"/>
           <p:cNvSpPr txBox="1"/>
           <p:nvPr>
+            <p:ph type="ctrTitle"/>
+          </p:nvPr>
+        </p:nvSpPr>
+        <p:spPr>
+          <a:xfrm>
+            <a:off x="729450" y="1322450"/>
+            <a:ext cx="7688100" cy="1664700"/>
+          </a:xfrm>
+          <a:prstGeom prst="rect">
+            <a:avLst/>
+          </a:prstGeom>
+        </p:spPr>
+        <p:txBody>
+          <a:bodyPr anchorCtr="0" anchor="t" bIns="91425" lIns="91425" spcFirstLastPara="1" rIns="91425" wrap="square" tIns="91425">
+            <a:normAutofit/>
+          </a:bodyPr>
+          <a:lstStyle/>
+          <a:p>
+            <a:pPr indent="0" lvl="0" marL="0" rtl="0" algn="l">
+              <a:spcBef>
+                <a:spcPts val="0"/>
+              </a:spcBef>
+              <a:spcAft>
+                <a:spcPts val="0"/>
+              </a:spcAft>
+              <a:buNone/>
+            </a:pPr>
+            <a:r>
+              <a:rPr lang="en"/>
+              <a:t>Questions?</a:t>
+            </a:r>
+            <a:endParaRPr/>
+          </a:p>
+        </p:txBody>
+      </p:sp>
+    </p:spTree>
+  </p:cSld>
+  <p:clrMapOvr>
+    <a:masterClrMapping/>
+  </p:clrMapOvr>
+</p:sld>
+</file>
+
+<file path=ppt/slides/slide19.xml><?xml version="1.0" encoding="utf-8"?>
+<p:sld xmlns:a="http://schemas.openxmlformats.org/drawingml/2006/main" xmlns:r="http://schemas.openxmlformats.org/officeDocument/2006/relationships" xmlns:mc="http://schemas.openxmlformats.org/markup-compatibility/2006" xmlns:mv="urn:schemas-microsoft-com:mac:vml" xmlns:p="http://schemas.openxmlformats.org/presentationml/2006/main" xmlns:c="http://schemas.openxmlformats.org/drawingml/2006/chart" xmlns:dgm="http://schemas.openxmlformats.org/drawingml/2006/diagram" xmlns:o="urn:schemas-microsoft-com:office:office" xmlns:v="urn:schemas-microsoft-com:vml" xmlns:pvml="urn:schemas-microsoft-com:office:powerpoint" xmlns:com="http://schemas.openxmlformats.org/drawingml/2006/compatibility" xmlns:p14="http://schemas.microsoft.com/office/powerpoint/2010/main" xmlns:p15="http://schemas.microsoft.com/office/powerpoint/2012/main" xmlns:ahyp="http://schemas.microsoft.com/office/drawing/2018/hyperlinkcolor" show="0">
+  <p:cSld>
+    <p:spTree>
+      <p:nvGrpSpPr>
+        <p:cNvPr id="199" name="Shape 199"/>
+        <p:cNvGrpSpPr/>
+        <p:nvPr/>
+      </p:nvGrpSpPr>
+      <p:grpSpPr>
+        <a:xfrm>
+          <a:off x="0" y="0"/>
+          <a:ext cx="0" cy="0"/>
+          <a:chOff x="0" y="0"/>
+          <a:chExt cx="0" cy="0"/>
+        </a:xfrm>
+      </p:grpSpPr>
+      <p:sp>
+        <p:nvSpPr>
+          <p:cNvPr id="200" name="Google Shape;200;p31"/>
+          <p:cNvSpPr txBox="1"/>
+          <p:nvPr>
             <p:ph type="title"/>
           </p:nvPr>
         </p:nvSpPr>
@@ -13362,7 +13427,7 @@
       </p:sp>
       <p:pic>
         <p:nvPicPr>
-          <p:cNvPr id="196" name="Google Shape;196;p30"/>
+          <p:cNvPr id="201" name="Google Shape;201;p31"/>
           <p:cNvPicPr preferRelativeResize="0"/>
           <p:nvPr/>
         </p:nvPicPr>
@@ -13388,71 +13453,6 @@
           </a:ln>
         </p:spPr>
       </p:pic>
-    </p:spTree>
-  </p:cSld>
-  <p:clrMapOvr>
-    <a:masterClrMapping/>
-  </p:clrMapOvr>
-</p:sld>
-</file>
-
-<file path=ppt/slides/slide19.xml><?xml version="1.0" encoding="utf-8"?>
-<p:sld xmlns:a="http://schemas.openxmlformats.org/drawingml/2006/main" xmlns:r="http://schemas.openxmlformats.org/officeDocument/2006/relationships" xmlns:mc="http://schemas.openxmlformats.org/markup-compatibility/2006" xmlns:mv="urn:schemas-microsoft-com:mac:vml" xmlns:p="http://schemas.openxmlformats.org/presentationml/2006/main" xmlns:c="http://schemas.openxmlformats.org/drawingml/2006/chart" xmlns:dgm="http://schemas.openxmlformats.org/drawingml/2006/diagram" xmlns:o="urn:schemas-microsoft-com:office:office" xmlns:v="urn:schemas-microsoft-com:vml" xmlns:pvml="urn:schemas-microsoft-com:office:powerpoint" xmlns:com="http://schemas.openxmlformats.org/drawingml/2006/compatibility" xmlns:p14="http://schemas.microsoft.com/office/powerpoint/2010/main" xmlns:p15="http://schemas.microsoft.com/office/powerpoint/2012/main" xmlns:ahyp="http://schemas.microsoft.com/office/drawing/2018/hyperlinkcolor">
-  <p:cSld>
-    <p:spTree>
-      <p:nvGrpSpPr>
-        <p:cNvPr id="200" name="Shape 200"/>
-        <p:cNvGrpSpPr/>
-        <p:nvPr/>
-      </p:nvGrpSpPr>
-      <p:grpSpPr>
-        <a:xfrm>
-          <a:off x="0" y="0"/>
-          <a:ext cx="0" cy="0"/>
-          <a:chOff x="0" y="0"/>
-          <a:chExt cx="0" cy="0"/>
-        </a:xfrm>
-      </p:grpSpPr>
-      <p:sp>
-        <p:nvSpPr>
-          <p:cNvPr id="201" name="Google Shape;201;p31"/>
-          <p:cNvSpPr txBox="1"/>
-          <p:nvPr>
-            <p:ph type="ctrTitle"/>
-          </p:nvPr>
-        </p:nvSpPr>
-        <p:spPr>
-          <a:xfrm>
-            <a:off x="729450" y="1322450"/>
-            <a:ext cx="7688100" cy="1664700"/>
-          </a:xfrm>
-          <a:prstGeom prst="rect">
-            <a:avLst/>
-          </a:prstGeom>
-        </p:spPr>
-        <p:txBody>
-          <a:bodyPr anchorCtr="0" anchor="t" bIns="91425" lIns="91425" spcFirstLastPara="1" rIns="91425" wrap="square" tIns="91425">
-            <a:normAutofit/>
-          </a:bodyPr>
-          <a:lstStyle/>
-          <a:p>
-            <a:pPr indent="0" lvl="0" marL="0" rtl="0" algn="l">
-              <a:spcBef>
-                <a:spcPts val="0"/>
-              </a:spcBef>
-              <a:spcAft>
-                <a:spcPts val="0"/>
-              </a:spcAft>
-              <a:buNone/>
-            </a:pPr>
-            <a:r>
-              <a:rPr lang="en"/>
-              <a:t>Thank You</a:t>
-            </a:r>
-            <a:endParaRPr/>
-          </a:p>
-        </p:txBody>
-      </p:sp>
     </p:spTree>
   </p:cSld>
   <p:clrMapOvr>
@@ -13683,7 +13683,7 @@
                 <a:cs typeface="Arial"/>
                 <a:sym typeface="Arial"/>
               </a:rPr>
-              <a:t>Modelling Tool - PyOD, sklearn, TensorFlow</a:t>
+              <a:t>Modelling - PyOD, sklearn, TensorFlow</a:t>
             </a:r>
             <a:endParaRPr sz="1400">
               <a:solidFill>
@@ -13729,7 +13729,7 @@
                 <a:cs typeface="Arial"/>
                 <a:sym typeface="Arial"/>
               </a:rPr>
-              <a:t>Visualization Tool - Dash, Bokeh</a:t>
+              <a:t>Visualization - Dash, Bokeh</a:t>
             </a:r>
             <a:endParaRPr sz="1400">
               <a:solidFill>
@@ -15389,7 +15389,7 @@
             <a:tbl>
               <a:tblPr>
                 <a:noFill/>
-                <a:tableStyleId>{8840AA42-74E6-4E78-85EF-03D1340D6976}</a:tableStyleId>
+                <a:tableStyleId>{E2493BD5-63C3-4E41-9928-D67F77012530}</a:tableStyleId>
               </a:tblPr>
               <a:tblGrid>
                 <a:gridCol w="1908600"/>
